--- a/Resy the Fire pigeon AD.pptx
+++ b/Resy the Fire pigeon AD.pptx
@@ -104,7 +104,97 @@
       </a:defRPr>
     </a:lvl9pPr>
   </p:defaultTextStyle>
+  <p:extLst>
+    <p:ext uri="{EFAFB233-063F-42B5-8137-9DF3F51BA10A}">
+      <p15:sldGuideLst xmlns:p15="http://schemas.microsoft.com/office/powerpoint/2012/main"/>
+    </p:ext>
+  </p:extLst>
 </p:presentation>
+</file>
+
+<file path=ppt/revisionInfo.xml><?xml version="1.0" encoding="utf-8"?>
+<p1510:revInfo xmlns:a="http://schemas.openxmlformats.org/drawingml/2006/main" xmlns:r="http://schemas.openxmlformats.org/officeDocument/2006/relationships" xmlns:p1510="http://schemas.microsoft.com/office/powerpoint/2015/10/main">
+  <p1510:revLst>
+    <p1510:client id="{6A93BC26-B7FC-4EF9-84AB-0B4CBC3205E5}" v="1" dt="2021-12-20T04:59:52.859"/>
+  </p1510:revLst>
+</p1510:revInfo>
+</file>
+
+<file path=ppt/changesInfos/changesInfo1.xml><?xml version="1.0" encoding="utf-8"?>
+<pc:chgInfo xmlns:a="http://schemas.openxmlformats.org/drawingml/2006/main" xmlns:r="http://schemas.openxmlformats.org/officeDocument/2006/relationships" xmlns:ac="http://schemas.microsoft.com/office/drawing/2013/main/command" xmlns:pc="http://schemas.microsoft.com/office/powerpoint/2013/main/command">
+  <pc:docChgLst>
+    <pc:chgData name="donna baker" userId="556738a118c5aa23" providerId="LiveId" clId="{6A93BC26-B7FC-4EF9-84AB-0B4CBC3205E5}"/>
+    <pc:docChg chg="custSel modSld">
+      <pc:chgData name="donna baker" userId="556738a118c5aa23" providerId="LiveId" clId="{6A93BC26-B7FC-4EF9-84AB-0B4CBC3205E5}" dt="2021-12-20T05:02:19.685" v="52" actId="207"/>
+      <pc:docMkLst>
+        <pc:docMk/>
+      </pc:docMkLst>
+      <pc:sldChg chg="addSp modSp mod">
+        <pc:chgData name="donna baker" userId="556738a118c5aa23" providerId="LiveId" clId="{6A93BC26-B7FC-4EF9-84AB-0B4CBC3205E5}" dt="2021-12-20T05:02:19.685" v="52" actId="207"/>
+        <pc:sldMkLst>
+          <pc:docMk/>
+          <pc:sldMk cId="966898609" sldId="256"/>
+        </pc:sldMkLst>
+        <pc:spChg chg="mod">
+          <ac:chgData name="donna baker" userId="556738a118c5aa23" providerId="LiveId" clId="{6A93BC26-B7FC-4EF9-84AB-0B4CBC3205E5}" dt="2021-12-20T04:59:47.169" v="4" actId="1076"/>
+          <ac:spMkLst>
+            <pc:docMk/>
+            <pc:sldMk cId="966898609" sldId="256"/>
+            <ac:spMk id="2" creationId="{66180729-00E6-4FB2-AFA5-5FD31363C264}"/>
+          </ac:spMkLst>
+        </pc:spChg>
+        <pc:spChg chg="mod">
+          <ac:chgData name="donna baker" userId="556738a118c5aa23" providerId="LiveId" clId="{6A93BC26-B7FC-4EF9-84AB-0B4CBC3205E5}" dt="2021-12-20T05:01:03.651" v="42" actId="207"/>
+          <ac:spMkLst>
+            <pc:docMk/>
+            <pc:sldMk cId="966898609" sldId="256"/>
+            <ac:spMk id="9" creationId="{1AAB558D-9B31-4BEC-929A-EC7ADB3633FA}"/>
+          </ac:spMkLst>
+        </pc:spChg>
+        <pc:spChg chg="mod">
+          <ac:chgData name="donna baker" userId="556738a118c5aa23" providerId="LiveId" clId="{6A93BC26-B7FC-4EF9-84AB-0B4CBC3205E5}" dt="2021-12-20T05:01:53.375" v="48" actId="207"/>
+          <ac:spMkLst>
+            <pc:docMk/>
+            <pc:sldMk cId="966898609" sldId="256"/>
+            <ac:spMk id="10" creationId="{FFB00B77-2A66-456D-8CB4-2EFFB9B29FFB}"/>
+          </ac:spMkLst>
+        </pc:spChg>
+        <pc:spChg chg="mod">
+          <ac:chgData name="donna baker" userId="556738a118c5aa23" providerId="LiveId" clId="{6A93BC26-B7FC-4EF9-84AB-0B4CBC3205E5}" dt="2021-12-20T05:01:36.405" v="46" actId="207"/>
+          <ac:spMkLst>
+            <pc:docMk/>
+            <pc:sldMk cId="966898609" sldId="256"/>
+            <ac:spMk id="11" creationId="{35EFEE3D-B152-4591-A03D-0AE09FA7061F}"/>
+          </ac:spMkLst>
+        </pc:spChg>
+        <pc:spChg chg="mod">
+          <ac:chgData name="donna baker" userId="556738a118c5aa23" providerId="LiveId" clId="{6A93BC26-B7FC-4EF9-84AB-0B4CBC3205E5}" dt="2021-12-20T05:02:19.685" v="52" actId="207"/>
+          <ac:spMkLst>
+            <pc:docMk/>
+            <pc:sldMk cId="966898609" sldId="256"/>
+            <ac:spMk id="12" creationId="{1A2D751F-952A-495C-9E21-CF34C59A8EC3}"/>
+          </ac:spMkLst>
+        </pc:spChg>
+        <pc:spChg chg="add mod">
+          <ac:chgData name="donna baker" userId="556738a118c5aa23" providerId="LiveId" clId="{6A93BC26-B7FC-4EF9-84AB-0B4CBC3205E5}" dt="2021-12-20T05:01:24.946" v="45" actId="207"/>
+          <ac:spMkLst>
+            <pc:docMk/>
+            <pc:sldMk cId="966898609" sldId="256"/>
+            <ac:spMk id="14" creationId="{02D1B9A5-70DC-4EAC-9D6A-5E956BF2040A}"/>
+          </ac:spMkLst>
+        </pc:spChg>
+        <pc:picChg chg="mod">
+          <ac:chgData name="donna baker" userId="556738a118c5aa23" providerId="LiveId" clId="{6A93BC26-B7FC-4EF9-84AB-0B4CBC3205E5}" dt="2021-12-20T05:00:36.170" v="36" actId="1076"/>
+          <ac:picMkLst>
+            <pc:docMk/>
+            <pc:sldMk cId="966898609" sldId="256"/>
+            <ac:picMk id="4" creationId="{86294600-A50F-481F-9BB9-248B219D7BE6}"/>
+          </ac:picMkLst>
+        </pc:picChg>
+      </pc:sldChg>
+    </pc:docChg>
+  </pc:docChgLst>
+</pc:chgInfo>
 </file>
 
 <file path=ppt/slideLayouts/slideLayout1.xml><?xml version="1.0" encoding="utf-8"?>
@@ -254,7 +344,7 @@
           <a:p>
             <a:fld id="{3727DFAE-94EA-49BB-B166-1EFD2E62A748}" type="datetimeFigureOut">
               <a:rPr lang="en-US" smtClean="0"/>
-              <a:t>12/17/2021</a:t>
+              <a:t>12/19/2021</a:t>
             </a:fld>
             <a:endParaRPr lang="en-US"/>
           </a:p>
@@ -452,7 +542,7 @@
           <a:p>
             <a:fld id="{3727DFAE-94EA-49BB-B166-1EFD2E62A748}" type="datetimeFigureOut">
               <a:rPr lang="en-US" smtClean="0"/>
-              <a:t>12/17/2021</a:t>
+              <a:t>12/19/2021</a:t>
             </a:fld>
             <a:endParaRPr lang="en-US"/>
           </a:p>
@@ -660,7 +750,7 @@
           <a:p>
             <a:fld id="{3727DFAE-94EA-49BB-B166-1EFD2E62A748}" type="datetimeFigureOut">
               <a:rPr lang="en-US" smtClean="0"/>
-              <a:t>12/17/2021</a:t>
+              <a:t>12/19/2021</a:t>
             </a:fld>
             <a:endParaRPr lang="en-US"/>
           </a:p>
@@ -858,7 +948,7 @@
           <a:p>
             <a:fld id="{3727DFAE-94EA-49BB-B166-1EFD2E62A748}" type="datetimeFigureOut">
               <a:rPr lang="en-US" smtClean="0"/>
-              <a:t>12/17/2021</a:t>
+              <a:t>12/19/2021</a:t>
             </a:fld>
             <a:endParaRPr lang="en-US"/>
           </a:p>
@@ -1133,7 +1223,7 @@
           <a:p>
             <a:fld id="{3727DFAE-94EA-49BB-B166-1EFD2E62A748}" type="datetimeFigureOut">
               <a:rPr lang="en-US" smtClean="0"/>
-              <a:t>12/17/2021</a:t>
+              <a:t>12/19/2021</a:t>
             </a:fld>
             <a:endParaRPr lang="en-US"/>
           </a:p>
@@ -1398,7 +1488,7 @@
           <a:p>
             <a:fld id="{3727DFAE-94EA-49BB-B166-1EFD2E62A748}" type="datetimeFigureOut">
               <a:rPr lang="en-US" smtClean="0"/>
-              <a:t>12/17/2021</a:t>
+              <a:t>12/19/2021</a:t>
             </a:fld>
             <a:endParaRPr lang="en-US"/>
           </a:p>
@@ -1810,7 +1900,7 @@
           <a:p>
             <a:fld id="{3727DFAE-94EA-49BB-B166-1EFD2E62A748}" type="datetimeFigureOut">
               <a:rPr lang="en-US" smtClean="0"/>
-              <a:t>12/17/2021</a:t>
+              <a:t>12/19/2021</a:t>
             </a:fld>
             <a:endParaRPr lang="en-US"/>
           </a:p>
@@ -1951,7 +2041,7 @@
           <a:p>
             <a:fld id="{3727DFAE-94EA-49BB-B166-1EFD2E62A748}" type="datetimeFigureOut">
               <a:rPr lang="en-US" smtClean="0"/>
-              <a:t>12/17/2021</a:t>
+              <a:t>12/19/2021</a:t>
             </a:fld>
             <a:endParaRPr lang="en-US"/>
           </a:p>
@@ -2064,7 +2154,7 @@
           <a:p>
             <a:fld id="{3727DFAE-94EA-49BB-B166-1EFD2E62A748}" type="datetimeFigureOut">
               <a:rPr lang="en-US" smtClean="0"/>
-              <a:t>12/17/2021</a:t>
+              <a:t>12/19/2021</a:t>
             </a:fld>
             <a:endParaRPr lang="en-US"/>
           </a:p>
@@ -2375,7 +2465,7 @@
           <a:p>
             <a:fld id="{3727DFAE-94EA-49BB-B166-1EFD2E62A748}" type="datetimeFigureOut">
               <a:rPr lang="en-US" smtClean="0"/>
-              <a:t>12/17/2021</a:t>
+              <a:t>12/19/2021</a:t>
             </a:fld>
             <a:endParaRPr lang="en-US"/>
           </a:p>
@@ -2663,7 +2753,7 @@
           <a:p>
             <a:fld id="{3727DFAE-94EA-49BB-B166-1EFD2E62A748}" type="datetimeFigureOut">
               <a:rPr lang="en-US" smtClean="0"/>
-              <a:t>12/17/2021</a:t>
+              <a:t>12/19/2021</a:t>
             </a:fld>
             <a:endParaRPr lang="en-US"/>
           </a:p>
@@ -2904,7 +2994,7 @@
           <a:p>
             <a:fld id="{3727DFAE-94EA-49BB-B166-1EFD2E62A748}" type="datetimeFigureOut">
               <a:rPr lang="en-US" smtClean="0"/>
-              <a:t>12/17/2021</a:t>
+              <a:t>12/19/2021</a:t>
             </a:fld>
             <a:endParaRPr lang="en-US"/>
           </a:p>
@@ -3471,7 +3561,7 @@
         </p:blipFill>
         <p:spPr>
           <a:xfrm>
-            <a:off x="209254" y="3072210"/>
+            <a:off x="228695" y="3335560"/>
             <a:ext cx="4660636" cy="3205491"/>
           </a:xfrm>
           <a:prstGeom prst="rect">
@@ -3557,8 +3647,8 @@
         </p:nvSpPr>
         <p:spPr>
           <a:xfrm>
-            <a:off x="838200" y="184805"/>
-            <a:ext cx="10515600" cy="1505883"/>
+            <a:off x="209254" y="93165"/>
+            <a:ext cx="5761383" cy="809153"/>
           </a:xfrm>
         </p:spPr>
         <p:txBody>
@@ -3596,7 +3686,7 @@
         </p:nvSpPr>
         <p:spPr>
           <a:xfrm>
-            <a:off x="26775" y="1195824"/>
+            <a:off x="0" y="949218"/>
             <a:ext cx="8041460" cy="369332"/>
           </a:xfrm>
           <a:prstGeom prst="rect">
@@ -3615,12 +3705,24 @@
               <a:t>Do you want a custom design on a drone the </a:t>
             </a:r>
             <a:r>
-              <a:rPr lang="en-US" dirty="0" err="1"/>
+              <a:rPr lang="en-US" dirty="0" err="1">
+                <a:solidFill>
+                  <a:srgbClr val="FF0000"/>
+                </a:solidFill>
+              </a:rPr>
               <a:t>resy</a:t>
             </a:r>
             <a:r>
+              <a:rPr lang="en-US" dirty="0">
+                <a:solidFill>
+                  <a:srgbClr val="FF0000"/>
+                </a:solidFill>
+              </a:rPr>
+              <a:t> the Fire pigeon</a:t>
+            </a:r>
+            <a:r>
               <a:rPr lang="en-US" dirty="0"/>
-              <a:t> the Fire pigeon the drone for you!</a:t>
+              <a:t> the drone for you!</a:t>
             </a:r>
           </a:p>
         </p:txBody>
@@ -3639,7 +3741,7 @@
         </p:nvSpPr>
         <p:spPr>
           <a:xfrm rot="873163">
-            <a:off x="370495" y="2142389"/>
+            <a:off x="331545" y="2475683"/>
             <a:ext cx="4097943" cy="369332"/>
           </a:xfrm>
           <a:prstGeom prst="rect">
@@ -3655,7 +3757,31 @@
           <a:p>
             <a:r>
               <a:rPr lang="en-US" dirty="0"/>
-              <a:t>It is easy to maintain and very powerful </a:t>
+              <a:t>It is</a:t>
+            </a:r>
+            <a:r>
+              <a:rPr lang="en-US" dirty="0">
+                <a:solidFill>
+                  <a:schemeClr val="accent6"/>
+                </a:solidFill>
+              </a:rPr>
+              <a:t> easy </a:t>
+            </a:r>
+            <a:r>
+              <a:rPr lang="en-US" dirty="0"/>
+              <a:t>to maintain and very </a:t>
+            </a:r>
+            <a:r>
+              <a:rPr lang="en-US" dirty="0">
+                <a:solidFill>
+                  <a:srgbClr val="FF0000"/>
+                </a:solidFill>
+              </a:rPr>
+              <a:t>powerful</a:t>
+            </a:r>
+            <a:r>
+              <a:rPr lang="en-US" dirty="0"/>
+              <a:t> </a:t>
             </a:r>
           </a:p>
         </p:txBody>
@@ -3673,8 +3799,8 @@
           <p:nvPr/>
         </p:nvSpPr>
         <p:spPr>
-          <a:xfrm rot="19509006">
-            <a:off x="4738870" y="3306111"/>
+          <a:xfrm rot="2744324">
+            <a:off x="3908163" y="2596162"/>
             <a:ext cx="3737175" cy="646331"/>
           </a:xfrm>
           <a:prstGeom prst="rect">
@@ -3690,7 +3816,19 @@
           <a:p>
             <a:r>
               <a:rPr lang="en-US" dirty="0"/>
-              <a:t>Its good for both beginners and experts</a:t>
+              <a:t>Its</a:t>
+            </a:r>
+            <a:r>
+              <a:rPr lang="en-US" dirty="0">
+                <a:solidFill>
+                  <a:schemeClr val="accent6"/>
+                </a:solidFill>
+              </a:rPr>
+              <a:t> good </a:t>
+            </a:r>
+            <a:r>
+              <a:rPr lang="en-US" dirty="0"/>
+              <a:t>for both beginners and experts</a:t>
             </a:r>
           </a:p>
         </p:txBody>
@@ -3708,8 +3846,8 @@
           <p:nvPr/>
         </p:nvSpPr>
         <p:spPr>
-          <a:xfrm>
-            <a:off x="9026285" y="254581"/>
+          <a:xfrm rot="20061799">
+            <a:off x="4853676" y="4124994"/>
             <a:ext cx="2814141" cy="1200329"/>
           </a:xfrm>
           <a:prstGeom prst="rect">
@@ -3725,7 +3863,95 @@
           <a:p>
             <a:r>
               <a:rPr lang="en-US" dirty="0"/>
-              <a:t>It has a custom design, 4 powerful motors, runs on an Arduino, esp32, and a MPU 6050</a:t>
+              <a:t>It has a </a:t>
+            </a:r>
+            <a:r>
+              <a:rPr lang="en-US" dirty="0">
+                <a:solidFill>
+                  <a:schemeClr val="accent6"/>
+                </a:solidFill>
+              </a:rPr>
+              <a:t>custom design</a:t>
+            </a:r>
+            <a:r>
+              <a:rPr lang="en-US" dirty="0"/>
+              <a:t>, 4 </a:t>
+            </a:r>
+            <a:r>
+              <a:rPr lang="en-US" dirty="0">
+                <a:solidFill>
+                  <a:srgbClr val="FF0000"/>
+                </a:solidFill>
+              </a:rPr>
+              <a:t>powerful</a:t>
+            </a:r>
+            <a:r>
+              <a:rPr lang="en-US" dirty="0"/>
+              <a:t> motors, runs on an Arduino, esp32, and a MPU 6050</a:t>
+            </a:r>
+          </a:p>
+        </p:txBody>
+      </p:sp>
+      <p:sp>
+        <p:nvSpPr>
+          <p:cNvPr id="14" name="TextBox 13">
+            <a:extLst>
+              <a:ext uri="{FF2B5EF4-FFF2-40B4-BE49-F238E27FC236}">
+                <a16:creationId xmlns:a16="http://schemas.microsoft.com/office/drawing/2014/main" id="{02D1B9A5-70DC-4EAC-9D6A-5E956BF2040A}"/>
+              </a:ext>
+            </a:extLst>
+          </p:cNvPr>
+          <p:cNvSpPr txBox="1"/>
+          <p:nvPr/>
+        </p:nvSpPr>
+        <p:spPr>
+          <a:xfrm>
+            <a:off x="6524334" y="204183"/>
+            <a:ext cx="5277835" cy="646331"/>
+          </a:xfrm>
+          <a:prstGeom prst="rect">
+            <a:avLst/>
+          </a:prstGeom>
+          <a:noFill/>
+        </p:spPr>
+        <p:txBody>
+          <a:bodyPr wrap="square">
+            <a:spAutoFit/>
+          </a:bodyPr>
+          <a:lstStyle/>
+          <a:p>
+            <a:r>
+              <a:rPr lang="en-US" dirty="0">
+                <a:solidFill>
+                  <a:schemeClr val="accent6"/>
+                </a:solidFill>
+                <a:hlinkClick r:id="rId7">
+                  <a:extLst>
+                    <a:ext uri="{A12FA001-AC4F-418D-AE19-62706E023703}">
+                      <ahyp:hlinkClr xmlns:ahyp="http://schemas.microsoft.com/office/drawing/2018/hyperlinkcolor" val="tx"/>
+                    </a:ext>
+                  </a:extLst>
+                </a:hlinkClick>
+              </a:rPr>
+              <a:t>https://github.com/Wolfpanda01/drone-web-page</a:t>
+            </a:r>
+            <a:r>
+              <a:rPr lang="en-US" dirty="0">
+                <a:solidFill>
+                  <a:schemeClr val="accent6"/>
+                </a:solidFill>
+              </a:rPr>
+              <a:t> </a:t>
+            </a:r>
+          </a:p>
+          <a:p>
+            <a:r>
+              <a:rPr lang="en-US" dirty="0">
+                <a:solidFill>
+                  <a:schemeClr val="accent6"/>
+                </a:solidFill>
+              </a:rPr>
+              <a:t>You can find us here</a:t>
             </a:r>
           </a:p>
         </p:txBody>
